--- a/img/attributes_sensitivity.pptx
+++ b/img/attributes_sensitivity.pptx
@@ -104,6 +104,11 @@
       </a:defRPr>
     </a:lvl9pPr>
   </p:defaultTextStyle>
+  <p:extLst>
+    <p:ext uri="{EFAFB233-063F-42B5-8137-9DF3F51BA10A}">
+      <p15:sldGuideLst xmlns:p15="http://schemas.microsoft.com/office/powerpoint/2012/main"/>
+    </p:ext>
+  </p:extLst>
 </p:presentation>
 </file>
 
@@ -3335,7 +3340,7 @@
         </p:nvSpPr>
         <p:spPr>
           <a:xfrm>
-            <a:off x="2047861" y="5537200"/>
+            <a:off x="4478027" y="5405395"/>
             <a:ext cx="1625597" cy="504000"/>
           </a:xfrm>
           <a:prstGeom prst="roundRect">
@@ -3379,7 +3384,7 @@
                   </a:schemeClr>
                 </a:solidFill>
               </a:rPr>
-              <a:t>Exposure</a:t>
+              <a:t>Infection</a:t>
             </a:r>
             <a:endParaRPr lang="de-DE" dirty="0">
               <a:solidFill>
@@ -3405,7 +3410,7 @@
         </p:nvSpPr>
         <p:spPr>
           <a:xfrm>
-            <a:off x="2047861" y="4854929"/>
+            <a:off x="4478027" y="4723124"/>
             <a:ext cx="1625597" cy="504000"/>
           </a:xfrm>
           <a:prstGeom prst="roundRect">
@@ -3468,7 +3473,7 @@
         </p:nvSpPr>
         <p:spPr>
           <a:xfrm>
-            <a:off x="2047861" y="4172658"/>
+            <a:off x="4478027" y="4040853"/>
             <a:ext cx="1625597" cy="504000"/>
           </a:xfrm>
           <a:prstGeom prst="roundRect">
@@ -3538,7 +3543,7 @@
         </p:nvSpPr>
         <p:spPr>
           <a:xfrm>
-            <a:off x="4171480" y="4167680"/>
+            <a:off x="6601646" y="4035875"/>
             <a:ext cx="1625597" cy="504000"/>
           </a:xfrm>
           <a:prstGeom prst="roundRect">
@@ -3601,7 +3606,7 @@
         </p:nvSpPr>
         <p:spPr>
           <a:xfrm>
-            <a:off x="2047861" y="3490387"/>
+            <a:off x="4478027" y="3358582"/>
             <a:ext cx="1625597" cy="504000"/>
           </a:xfrm>
           <a:prstGeom prst="roundRect">
@@ -3664,7 +3669,7 @@
         </p:nvSpPr>
         <p:spPr>
           <a:xfrm>
-            <a:off x="4171481" y="3490387"/>
+            <a:off x="6601647" y="3358582"/>
             <a:ext cx="1625597" cy="504000"/>
           </a:xfrm>
           <a:prstGeom prst="roundRect">
@@ -3744,7 +3749,7 @@
         </p:nvSpPr>
         <p:spPr>
           <a:xfrm>
-            <a:off x="4171482" y="2808116"/>
+            <a:off x="6601648" y="2676311"/>
             <a:ext cx="1625597" cy="504000"/>
           </a:xfrm>
           <a:prstGeom prst="roundRect">
@@ -3837,7 +3842,7 @@
         </p:nvSpPr>
         <p:spPr>
           <a:xfrm>
-            <a:off x="2047861" y="2808116"/>
+            <a:off x="4478027" y="2676311"/>
             <a:ext cx="1625597" cy="504000"/>
           </a:xfrm>
           <a:prstGeom prst="roundRect">
@@ -3947,7 +3952,7 @@
         </p:nvSpPr>
         <p:spPr>
           <a:xfrm>
-            <a:off x="4173125" y="2127236"/>
+            <a:off x="6603291" y="1995431"/>
             <a:ext cx="1625597" cy="504000"/>
           </a:xfrm>
           <a:prstGeom prst="roundRect">
@@ -4067,7 +4072,7 @@
         </p:nvSpPr>
         <p:spPr>
           <a:xfrm>
-            <a:off x="4167126" y="1444965"/>
+            <a:off x="6597292" y="1313160"/>
             <a:ext cx="1625597" cy="504000"/>
           </a:xfrm>
           <a:prstGeom prst="roundRect">
@@ -4167,7 +4172,7 @@
         </p:nvSpPr>
         <p:spPr>
           <a:xfrm>
-            <a:off x="4167126" y="763390"/>
+            <a:off x="6597292" y="631585"/>
             <a:ext cx="1625597" cy="504000"/>
           </a:xfrm>
           <a:prstGeom prst="roundRect">
@@ -4247,7 +4252,7 @@
         </p:nvSpPr>
         <p:spPr>
           <a:xfrm>
-            <a:off x="6264857" y="1444965"/>
+            <a:off x="8695023" y="1313160"/>
             <a:ext cx="1625597" cy="504000"/>
           </a:xfrm>
           <a:prstGeom prst="roundRect">
@@ -4347,7 +4352,7 @@
         </p:nvSpPr>
         <p:spPr>
           <a:xfrm>
-            <a:off x="6264856" y="2127236"/>
+            <a:off x="8695022" y="1995431"/>
             <a:ext cx="1625597" cy="504000"/>
           </a:xfrm>
           <a:prstGeom prst="roundRect">
@@ -4467,7 +4472,7 @@
         </p:nvSpPr>
         <p:spPr>
           <a:xfrm>
-            <a:off x="6264855" y="763390"/>
+            <a:off x="8695021" y="631585"/>
             <a:ext cx="1625597" cy="504000"/>
           </a:xfrm>
           <a:prstGeom prst="roundRect">
@@ -4570,7 +4575,7 @@
         </p:nvCxnSpPr>
         <p:spPr>
           <a:xfrm flipV="1">
-            <a:off x="2860660" y="5358929"/>
+            <a:off x="5290826" y="5227124"/>
             <a:ext cx="0" cy="178271"/>
           </a:xfrm>
           <a:prstGeom prst="straightConnector1">
@@ -4618,7 +4623,7 @@
         </p:nvCxnSpPr>
         <p:spPr>
           <a:xfrm flipV="1">
-            <a:off x="2860660" y="4676658"/>
+            <a:off x="5290826" y="4544853"/>
             <a:ext cx="0" cy="178271"/>
           </a:xfrm>
           <a:prstGeom prst="straightConnector1">
@@ -4666,7 +4671,7 @@
         </p:nvCxnSpPr>
         <p:spPr>
           <a:xfrm flipV="1">
-            <a:off x="2860660" y="3994387"/>
+            <a:off x="5290826" y="3862582"/>
             <a:ext cx="0" cy="178271"/>
           </a:xfrm>
           <a:prstGeom prst="straightConnector1">
@@ -4714,7 +4719,7 @@
         </p:nvCxnSpPr>
         <p:spPr>
           <a:xfrm flipV="1">
-            <a:off x="2860660" y="3312116"/>
+            <a:off x="5290826" y="3180311"/>
             <a:ext cx="0" cy="178271"/>
           </a:xfrm>
           <a:prstGeom prst="straightConnector1">
@@ -4762,7 +4767,7 @@
         </p:nvCxnSpPr>
         <p:spPr>
           <a:xfrm flipV="1">
-            <a:off x="3673458" y="4419680"/>
+            <a:off x="6103624" y="4287875"/>
             <a:ext cx="498022" cy="4978"/>
           </a:xfrm>
           <a:prstGeom prst="straightConnector1">
@@ -4810,7 +4815,7 @@
         </p:nvCxnSpPr>
         <p:spPr>
           <a:xfrm flipV="1">
-            <a:off x="4984281" y="2631236"/>
+            <a:off x="7414447" y="2499431"/>
             <a:ext cx="1643" cy="176880"/>
           </a:xfrm>
           <a:prstGeom prst="straightConnector1">
@@ -4858,7 +4863,7 @@
         </p:nvCxnSpPr>
         <p:spPr>
           <a:xfrm flipH="1">
-            <a:off x="3673458" y="3742387"/>
+            <a:off x="6103624" y="3610582"/>
             <a:ext cx="498023" cy="0"/>
           </a:xfrm>
           <a:prstGeom prst="straightConnector1">
@@ -4906,7 +4911,7 @@
         </p:nvCxnSpPr>
         <p:spPr>
           <a:xfrm flipV="1">
-            <a:off x="2860660" y="2379236"/>
+            <a:off x="5290826" y="2247431"/>
             <a:ext cx="1312465" cy="428880"/>
           </a:xfrm>
           <a:prstGeom prst="straightConnector1">
@@ -4954,7 +4959,7 @@
         </p:nvCxnSpPr>
         <p:spPr>
           <a:xfrm flipH="1" flipV="1">
-            <a:off x="4979925" y="1948965"/>
+            <a:off x="7410091" y="1817160"/>
             <a:ext cx="5999" cy="178271"/>
           </a:xfrm>
           <a:prstGeom prst="straightConnector1">
@@ -5002,7 +5007,7 @@
         </p:nvCxnSpPr>
         <p:spPr>
           <a:xfrm flipV="1">
-            <a:off x="4979925" y="1267390"/>
+            <a:off x="7410091" y="1135585"/>
             <a:ext cx="0" cy="177575"/>
           </a:xfrm>
           <a:prstGeom prst="straightConnector1">
@@ -5050,7 +5055,7 @@
         </p:nvCxnSpPr>
         <p:spPr>
           <a:xfrm>
-            <a:off x="5792723" y="1015390"/>
+            <a:off x="8222889" y="883585"/>
             <a:ext cx="472132" cy="0"/>
           </a:xfrm>
           <a:prstGeom prst="straightConnector1">
@@ -5098,7 +5103,7 @@
         </p:nvCxnSpPr>
         <p:spPr>
           <a:xfrm>
-            <a:off x="5792723" y="1696965"/>
+            <a:off x="8222889" y="1565160"/>
             <a:ext cx="472134" cy="0"/>
           </a:xfrm>
           <a:prstGeom prst="straightConnector1">
@@ -5146,7 +5151,7 @@
         </p:nvCxnSpPr>
         <p:spPr>
           <a:xfrm>
-            <a:off x="5798722" y="2379236"/>
+            <a:off x="8228888" y="2247431"/>
             <a:ext cx="466134" cy="0"/>
           </a:xfrm>
           <a:prstGeom prst="straightConnector1">
@@ -5194,7 +5199,7 @@
         </p:nvCxnSpPr>
         <p:spPr>
           <a:xfrm flipV="1">
-            <a:off x="4984279" y="3994387"/>
+            <a:off x="7414445" y="3862582"/>
             <a:ext cx="1" cy="173293"/>
           </a:xfrm>
           <a:prstGeom prst="straightConnector1">
@@ -5242,7 +5247,7 @@
         </p:nvCxnSpPr>
         <p:spPr>
           <a:xfrm flipV="1">
-            <a:off x="4984280" y="3312116"/>
+            <a:off x="7414446" y="3180311"/>
             <a:ext cx="1" cy="178271"/>
           </a:xfrm>
           <a:prstGeom prst="straightConnector1">
@@ -5286,8 +5291,8 @@
         </p:nvSpPr>
         <p:spPr>
           <a:xfrm>
-            <a:off x="8209288" y="1923201"/>
-            <a:ext cx="2978434" cy="646331"/>
+            <a:off x="8725269" y="2807781"/>
+            <a:ext cx="1802682" cy="461665"/>
           </a:xfrm>
           <a:prstGeom prst="rect">
             <a:avLst/>
@@ -5301,7 +5306,7 @@
           <a:lstStyle/>
           <a:p>
             <a:r>
-              <a:rPr lang="de-DE" sz="3600" dirty="0" err="1">
+              <a:rPr lang="de-DE" sz="2400" dirty="0" err="1">
                 <a:ln w="0"/>
                 <a:solidFill>
                   <a:schemeClr val="accent1"/>
@@ -5316,7 +5321,7 @@
               </a:rPr>
               <a:t>Sensitivity</a:t>
             </a:r>
-            <a:endParaRPr lang="de-DE" sz="3600" dirty="0">
+            <a:endParaRPr lang="de-DE" sz="2400" dirty="0">
               <a:ln w="0"/>
               <a:solidFill>
                 <a:schemeClr val="accent1"/>
@@ -5349,7 +5354,7 @@
         </p:nvCxnSpPr>
         <p:spPr>
           <a:xfrm flipV="1">
-            <a:off x="2860660" y="2353315"/>
+            <a:off x="5290826" y="2221510"/>
             <a:ext cx="2045761" cy="958801"/>
           </a:xfrm>
           <a:prstGeom prst="straightConnector1">
@@ -5394,7 +5399,7 @@
         </p:nvCxnSpPr>
         <p:spPr>
           <a:xfrm flipV="1">
-            <a:off x="4979924" y="2379236"/>
+            <a:off x="7410090" y="2247431"/>
             <a:ext cx="0" cy="770364"/>
           </a:xfrm>
           <a:prstGeom prst="straightConnector1">
@@ -5437,8 +5442,8 @@
         </p:nvSpPr>
         <p:spPr>
           <a:xfrm>
-            <a:off x="8209288" y="2808116"/>
-            <a:ext cx="3125734" cy="1200329"/>
+            <a:off x="8695021" y="3461074"/>
+            <a:ext cx="1832927" cy="830997"/>
           </a:xfrm>
           <a:prstGeom prst="rect">
             <a:avLst/>
@@ -5452,7 +5457,7 @@
           <a:lstStyle/>
           <a:p>
             <a:r>
-              <a:rPr lang="de-DE" sz="3600" dirty="0">
+              <a:rPr lang="de-DE" sz="2400" dirty="0">
                 <a:ln w="0"/>
                 <a:solidFill>
                   <a:schemeClr val="accent4"/>
@@ -5467,8 +5472,10 @@
               </a:rPr>
               <a:t>External </a:t>
             </a:r>
-            <a:r>
-              <a:rPr lang="de-DE" sz="3600" dirty="0" err="1">
+          </a:p>
+          <a:p>
+            <a:r>
+              <a:rPr lang="de-DE" sz="2400" dirty="0" err="1">
                 <a:ln w="0"/>
                 <a:solidFill>
                   <a:schemeClr val="accent4"/>
@@ -5483,7 +5490,7 @@
               </a:rPr>
               <a:t>completness</a:t>
             </a:r>
-            <a:endParaRPr lang="de-DE" sz="3600" dirty="0">
+            <a:endParaRPr lang="de-DE" sz="2400" dirty="0">
               <a:ln w="0"/>
               <a:solidFill>
                 <a:schemeClr val="accent4"/>
@@ -5513,8 +5520,8 @@
         </p:nvSpPr>
         <p:spPr>
           <a:xfrm>
-            <a:off x="8209288" y="4318631"/>
-            <a:ext cx="3125734" cy="1200329"/>
+            <a:off x="8695021" y="4539875"/>
+            <a:ext cx="1832925" cy="830997"/>
           </a:xfrm>
           <a:prstGeom prst="rect">
             <a:avLst/>
@@ -5528,7 +5535,7 @@
           <a:lstStyle/>
           <a:p>
             <a:r>
-              <a:rPr lang="de-DE" sz="3600" dirty="0">
+              <a:rPr lang="de-DE" sz="2400" dirty="0">
                 <a:ln w="0"/>
                 <a:solidFill>
                   <a:schemeClr val="accent6"/>
@@ -5543,8 +5550,10 @@
               </a:rPr>
               <a:t>Internal </a:t>
             </a:r>
-            <a:r>
-              <a:rPr lang="de-DE" sz="3600" dirty="0" err="1">
+          </a:p>
+          <a:p>
+            <a:r>
+              <a:rPr lang="de-DE" sz="2400" dirty="0" err="1">
                 <a:ln w="0"/>
                 <a:solidFill>
                   <a:schemeClr val="accent6"/>
@@ -5559,7 +5568,7 @@
               </a:rPr>
               <a:t>completness</a:t>
             </a:r>
-            <a:endParaRPr lang="de-DE" sz="3600" dirty="0">
+            <a:endParaRPr lang="de-DE" sz="2400" dirty="0">
               <a:ln w="0"/>
               <a:solidFill>
                 <a:schemeClr val="accent6"/>
@@ -5591,7 +5600,7 @@
         </p:nvCxnSpPr>
         <p:spPr>
           <a:xfrm flipV="1">
-            <a:off x="4979924" y="1015390"/>
+            <a:off x="7410090" y="883585"/>
             <a:ext cx="0" cy="1255120"/>
           </a:xfrm>
           <a:prstGeom prst="straightConnector1">
@@ -5636,7 +5645,7 @@
         </p:nvCxnSpPr>
         <p:spPr>
           <a:xfrm flipV="1">
-            <a:off x="2440495" y="1015390"/>
+            <a:off x="4870661" y="883585"/>
             <a:ext cx="2119265" cy="4003651"/>
           </a:xfrm>
           <a:prstGeom prst="straightConnector1">
@@ -5662,6 +5671,532 @@
           </a:fontRef>
         </p:style>
       </p:cxnSp>
+      <p:cxnSp>
+        <p:nvCxnSpPr>
+          <p:cNvPr id="40" name="Gerade Verbindung mit Pfeil 39">
+            <a:extLst>
+              <a:ext uri="{FF2B5EF4-FFF2-40B4-BE49-F238E27FC236}">
+                <a16:creationId xmlns:a16="http://schemas.microsoft.com/office/drawing/2014/main" id="{30BDBE8F-8E6B-42CD-891E-FF43C4F4B6F3}"/>
+              </a:ext>
+            </a:extLst>
+          </p:cNvPr>
+          <p:cNvCxnSpPr/>
+          <p:nvPr/>
+        </p:nvCxnSpPr>
+        <p:spPr>
+          <a:xfrm flipV="1">
+            <a:off x="3978360" y="2594919"/>
+            <a:ext cx="0" cy="2539339"/>
+          </a:xfrm>
+          <a:prstGeom prst="straightConnector1">
+            <a:avLst/>
+          </a:prstGeom>
+          <a:ln w="76200">
+            <a:solidFill>
+              <a:schemeClr val="accent2"/>
+            </a:solidFill>
+            <a:tailEnd type="triangle"/>
+          </a:ln>
+        </p:spPr>
+        <p:style>
+          <a:lnRef idx="1">
+            <a:schemeClr val="accent1"/>
+          </a:lnRef>
+          <a:fillRef idx="0">
+            <a:schemeClr val="accent1"/>
+          </a:fillRef>
+          <a:effectRef idx="0">
+            <a:schemeClr val="accent1"/>
+          </a:effectRef>
+          <a:fontRef idx="minor">
+            <a:schemeClr val="tx1"/>
+          </a:fontRef>
+        </p:style>
+      </p:cxnSp>
+      <p:sp>
+        <p:nvSpPr>
+          <p:cNvPr id="41" name="Textfeld 40">
+            <a:extLst>
+              <a:ext uri="{FF2B5EF4-FFF2-40B4-BE49-F238E27FC236}">
+                <a16:creationId xmlns:a16="http://schemas.microsoft.com/office/drawing/2014/main" id="{1F2E0503-2C9C-492A-B00D-D789F6929FC4}"/>
+              </a:ext>
+            </a:extLst>
+          </p:cNvPr>
+          <p:cNvSpPr txBox="1"/>
+          <p:nvPr/>
+        </p:nvSpPr>
+        <p:spPr>
+          <a:xfrm>
+            <a:off x="1324965" y="4144127"/>
+            <a:ext cx="2036913" cy="830997"/>
+          </a:xfrm>
+          <a:prstGeom prst="rect">
+            <a:avLst/>
+          </a:prstGeom>
+          <a:noFill/>
+        </p:spPr>
+        <p:txBody>
+          <a:bodyPr wrap="square" rtlCol="0">
+            <a:spAutoFit/>
+          </a:bodyPr>
+          <a:lstStyle/>
+          <a:p>
+            <a:r>
+              <a:rPr lang="de-DE" sz="2400" dirty="0" err="1">
+                <a:ln w="0"/>
+                <a:solidFill>
+                  <a:schemeClr val="accent2"/>
+                </a:solidFill>
+                <a:effectLst>
+                  <a:outerShdw blurRad="38100" dist="25400" dir="5400000" algn="ctr" rotWithShape="0">
+                    <a:srgbClr val="6E747A">
+                      <a:alpha val="43000"/>
+                    </a:srgbClr>
+                  </a:outerShdw>
+                </a:effectLst>
+              </a:rPr>
+              <a:t>Under</a:t>
+            </a:r>
+            <a:r>
+              <a:rPr lang="de-DE" sz="2400" dirty="0">
+                <a:ln w="0"/>
+                <a:solidFill>
+                  <a:schemeClr val="accent2"/>
+                </a:solidFill>
+                <a:effectLst>
+                  <a:outerShdw blurRad="38100" dist="25400" dir="5400000" algn="ctr" rotWithShape="0">
+                    <a:srgbClr val="6E747A">
+                      <a:alpha val="43000"/>
+                    </a:srgbClr>
+                  </a:outerShdw>
+                </a:effectLst>
+              </a:rPr>
+              <a:t>- </a:t>
+            </a:r>
+          </a:p>
+          <a:p>
+            <a:r>
+              <a:rPr lang="de-DE" sz="2400" dirty="0" err="1">
+                <a:ln w="0"/>
+                <a:solidFill>
+                  <a:schemeClr val="accent2"/>
+                </a:solidFill>
+                <a:effectLst>
+                  <a:outerShdw blurRad="38100" dist="25400" dir="5400000" algn="ctr" rotWithShape="0">
+                    <a:srgbClr val="6E747A">
+                      <a:alpha val="43000"/>
+                    </a:srgbClr>
+                  </a:outerShdw>
+                </a:effectLst>
+              </a:rPr>
+              <a:t>ascertainment</a:t>
+            </a:r>
+            <a:endParaRPr lang="de-DE" sz="2400" dirty="0">
+              <a:ln w="0"/>
+              <a:solidFill>
+                <a:schemeClr val="accent2"/>
+              </a:solidFill>
+              <a:effectLst>
+                <a:outerShdw blurRad="38100" dist="25400" dir="5400000" algn="ctr" rotWithShape="0">
+                  <a:srgbClr val="6E747A">
+                    <a:alpha val="43000"/>
+                  </a:srgbClr>
+                </a:outerShdw>
+              </a:effectLst>
+            </a:endParaRPr>
+          </a:p>
+        </p:txBody>
+      </p:sp>
+      <p:sp>
+        <p:nvSpPr>
+          <p:cNvPr id="42" name="Textfeld 41">
+            <a:extLst>
+              <a:ext uri="{FF2B5EF4-FFF2-40B4-BE49-F238E27FC236}">
+                <a16:creationId xmlns:a16="http://schemas.microsoft.com/office/drawing/2014/main" id="{68C43D6C-0E0B-411A-AAAB-09B996ECF71A}"/>
+              </a:ext>
+            </a:extLst>
+          </p:cNvPr>
+          <p:cNvSpPr txBox="1"/>
+          <p:nvPr/>
+        </p:nvSpPr>
+        <p:spPr>
+          <a:xfrm>
+            <a:off x="1324965" y="2255184"/>
+            <a:ext cx="1946283" cy="830997"/>
+          </a:xfrm>
+          <a:prstGeom prst="rect">
+            <a:avLst/>
+          </a:prstGeom>
+          <a:noFill/>
+        </p:spPr>
+        <p:txBody>
+          <a:bodyPr wrap="square" rtlCol="0">
+            <a:spAutoFit/>
+          </a:bodyPr>
+          <a:lstStyle/>
+          <a:p>
+            <a:r>
+              <a:rPr lang="de-DE" sz="2400" dirty="0" err="1">
+                <a:ln w="0"/>
+                <a:solidFill>
+                  <a:srgbClr val="7030A0"/>
+                </a:solidFill>
+                <a:effectLst>
+                  <a:outerShdw blurRad="38100" dist="25400" dir="5400000" algn="ctr" rotWithShape="0">
+                    <a:srgbClr val="6E747A">
+                      <a:alpha val="43000"/>
+                    </a:srgbClr>
+                  </a:outerShdw>
+                </a:effectLst>
+              </a:rPr>
+              <a:t>Under</a:t>
+            </a:r>
+            <a:r>
+              <a:rPr lang="de-DE" sz="2400" dirty="0">
+                <a:ln w="0"/>
+                <a:solidFill>
+                  <a:srgbClr val="7030A0"/>
+                </a:solidFill>
+                <a:effectLst>
+                  <a:outerShdw blurRad="38100" dist="25400" dir="5400000" algn="ctr" rotWithShape="0">
+                    <a:srgbClr val="6E747A">
+                      <a:alpha val="43000"/>
+                    </a:srgbClr>
+                  </a:outerShdw>
+                </a:effectLst>
+              </a:rPr>
+              <a:t>- </a:t>
+            </a:r>
+            <a:r>
+              <a:rPr lang="de-DE" sz="2400" dirty="0" err="1">
+                <a:ln w="0"/>
+                <a:solidFill>
+                  <a:srgbClr val="7030A0"/>
+                </a:solidFill>
+                <a:effectLst>
+                  <a:outerShdw blurRad="38100" dist="25400" dir="5400000" algn="ctr" rotWithShape="0">
+                    <a:srgbClr val="6E747A">
+                      <a:alpha val="43000"/>
+                    </a:srgbClr>
+                  </a:outerShdw>
+                </a:effectLst>
+              </a:rPr>
+              <a:t>reporting</a:t>
+            </a:r>
+            <a:endParaRPr lang="de-DE" sz="2400" dirty="0">
+              <a:ln w="0"/>
+              <a:solidFill>
+                <a:srgbClr val="7030A0"/>
+              </a:solidFill>
+              <a:effectLst>
+                <a:outerShdw blurRad="38100" dist="25400" dir="5400000" algn="ctr" rotWithShape="0">
+                  <a:srgbClr val="6E747A">
+                    <a:alpha val="43000"/>
+                  </a:srgbClr>
+                </a:outerShdw>
+              </a:effectLst>
+            </a:endParaRPr>
+          </a:p>
+        </p:txBody>
+      </p:sp>
+      <p:sp>
+        <p:nvSpPr>
+          <p:cNvPr id="43" name="Rechteck: abgerundete Ecken 42">
+            <a:extLst>
+              <a:ext uri="{FF2B5EF4-FFF2-40B4-BE49-F238E27FC236}">
+                <a16:creationId xmlns:a16="http://schemas.microsoft.com/office/drawing/2014/main" id="{508B23FE-7C78-4EBE-A44C-0A3D27282F7F}"/>
+              </a:ext>
+            </a:extLst>
+          </p:cNvPr>
+          <p:cNvSpPr/>
+          <p:nvPr/>
+        </p:nvSpPr>
+        <p:spPr>
+          <a:xfrm>
+            <a:off x="4478027" y="6087666"/>
+            <a:ext cx="1625597" cy="504000"/>
+          </a:xfrm>
+          <a:prstGeom prst="roundRect">
+            <a:avLst/>
+          </a:prstGeom>
+          <a:noFill/>
+          <a:ln>
+            <a:solidFill>
+              <a:schemeClr val="bg1">
+                <a:lumMod val="65000"/>
+              </a:schemeClr>
+            </a:solidFill>
+          </a:ln>
+        </p:spPr>
+        <p:style>
+          <a:lnRef idx="2">
+            <a:schemeClr val="accent1">
+              <a:shade val="50000"/>
+            </a:schemeClr>
+          </a:lnRef>
+          <a:fillRef idx="1">
+            <a:schemeClr val="accent1"/>
+          </a:fillRef>
+          <a:effectRef idx="0">
+            <a:schemeClr val="accent1"/>
+          </a:effectRef>
+          <a:fontRef idx="minor">
+            <a:schemeClr val="lt1"/>
+          </a:fontRef>
+        </p:style>
+        <p:txBody>
+          <a:bodyPr rtlCol="0" anchor="ctr"/>
+          <a:lstStyle/>
+          <a:p>
+            <a:pPr algn="ctr"/>
+            <a:r>
+              <a:rPr lang="de-DE" dirty="0" err="1">
+                <a:solidFill>
+                  <a:schemeClr val="bg1">
+                    <a:lumMod val="65000"/>
+                  </a:schemeClr>
+                </a:solidFill>
+              </a:rPr>
+              <a:t>Exposure</a:t>
+            </a:r>
+            <a:endParaRPr lang="de-DE" dirty="0">
+              <a:solidFill>
+                <a:schemeClr val="bg1">
+                  <a:lumMod val="65000"/>
+                </a:schemeClr>
+              </a:solidFill>
+            </a:endParaRPr>
+          </a:p>
+        </p:txBody>
+      </p:sp>
+      <p:cxnSp>
+        <p:nvCxnSpPr>
+          <p:cNvPr id="44" name="Gerade Verbindung mit Pfeil 43">
+            <a:extLst>
+              <a:ext uri="{FF2B5EF4-FFF2-40B4-BE49-F238E27FC236}">
+                <a16:creationId xmlns:a16="http://schemas.microsoft.com/office/drawing/2014/main" id="{55FE846C-4925-4F2B-855E-C66225A46CDF}"/>
+              </a:ext>
+            </a:extLst>
+          </p:cNvPr>
+          <p:cNvCxnSpPr>
+            <a:cxnSpLocks/>
+            <a:stCxn id="43" idx="0"/>
+            <a:endCxn id="4" idx="2"/>
+          </p:cNvCxnSpPr>
+          <p:nvPr/>
+        </p:nvCxnSpPr>
+        <p:spPr>
+          <a:xfrm flipV="1">
+            <a:off x="5290826" y="5909395"/>
+            <a:ext cx="0" cy="178271"/>
+          </a:xfrm>
+          <a:prstGeom prst="straightConnector1">
+            <a:avLst/>
+          </a:prstGeom>
+          <a:ln w="38100">
+            <a:solidFill>
+              <a:schemeClr val="bg1">
+                <a:lumMod val="65000"/>
+              </a:schemeClr>
+            </a:solidFill>
+            <a:tailEnd type="triangle"/>
+          </a:ln>
+        </p:spPr>
+        <p:style>
+          <a:lnRef idx="1">
+            <a:schemeClr val="accent1"/>
+          </a:lnRef>
+          <a:fillRef idx="0">
+            <a:schemeClr val="accent1"/>
+          </a:fillRef>
+          <a:effectRef idx="0">
+            <a:schemeClr val="accent1"/>
+          </a:effectRef>
+          <a:fontRef idx="minor">
+            <a:schemeClr val="tx1"/>
+          </a:fontRef>
+        </p:style>
+      </p:cxnSp>
+      <p:cxnSp>
+        <p:nvCxnSpPr>
+          <p:cNvPr id="47" name="Gerade Verbindung mit Pfeil 46">
+            <a:extLst>
+              <a:ext uri="{FF2B5EF4-FFF2-40B4-BE49-F238E27FC236}">
+                <a16:creationId xmlns:a16="http://schemas.microsoft.com/office/drawing/2014/main" id="{FB25EF98-35F9-4DAD-A487-540B93442ED7}"/>
+              </a:ext>
+            </a:extLst>
+          </p:cNvPr>
+          <p:cNvCxnSpPr>
+            <a:cxnSpLocks/>
+          </p:cNvCxnSpPr>
+          <p:nvPr/>
+        </p:nvCxnSpPr>
+        <p:spPr>
+          <a:xfrm flipV="1">
+            <a:off x="3978360" y="883585"/>
+            <a:ext cx="0" cy="1661334"/>
+          </a:xfrm>
+          <a:prstGeom prst="straightConnector1">
+            <a:avLst/>
+          </a:prstGeom>
+          <a:ln w="76200">
+            <a:solidFill>
+              <a:srgbClr val="7030A0"/>
+            </a:solidFill>
+            <a:tailEnd type="triangle"/>
+          </a:ln>
+        </p:spPr>
+        <p:style>
+          <a:lnRef idx="1">
+            <a:schemeClr val="accent1"/>
+          </a:lnRef>
+          <a:fillRef idx="0">
+            <a:schemeClr val="accent1"/>
+          </a:fillRef>
+          <a:effectRef idx="0">
+            <a:schemeClr val="accent1"/>
+          </a:effectRef>
+          <a:fontRef idx="minor">
+            <a:schemeClr val="tx1"/>
+          </a:fontRef>
+        </p:style>
+      </p:cxnSp>
+      <p:cxnSp>
+        <p:nvCxnSpPr>
+          <p:cNvPr id="50" name="Gerade Verbindung mit Pfeil 49">
+            <a:extLst>
+              <a:ext uri="{FF2B5EF4-FFF2-40B4-BE49-F238E27FC236}">
+                <a16:creationId xmlns:a16="http://schemas.microsoft.com/office/drawing/2014/main" id="{1E2C7461-825D-43EA-B6E5-4E87B0E23D8E}"/>
+              </a:ext>
+            </a:extLst>
+          </p:cNvPr>
+          <p:cNvCxnSpPr>
+            <a:cxnSpLocks/>
+          </p:cNvCxnSpPr>
+          <p:nvPr/>
+        </p:nvCxnSpPr>
+        <p:spPr>
+          <a:xfrm flipV="1">
+            <a:off x="3435179" y="883585"/>
+            <a:ext cx="0" cy="4250673"/>
+          </a:xfrm>
+          <a:prstGeom prst="straightConnector1">
+            <a:avLst/>
+          </a:prstGeom>
+          <a:ln w="76200">
+            <a:solidFill>
+              <a:schemeClr val="tx2"/>
+            </a:solidFill>
+            <a:tailEnd type="triangle"/>
+          </a:ln>
+        </p:spPr>
+        <p:style>
+          <a:lnRef idx="1">
+            <a:schemeClr val="accent1"/>
+          </a:lnRef>
+          <a:fillRef idx="0">
+            <a:schemeClr val="accent1"/>
+          </a:fillRef>
+          <a:effectRef idx="0">
+            <a:schemeClr val="accent1"/>
+          </a:effectRef>
+          <a:fontRef idx="minor">
+            <a:schemeClr val="tx1"/>
+          </a:fontRef>
+        </p:style>
+      </p:cxnSp>
+      <p:sp>
+        <p:nvSpPr>
+          <p:cNvPr id="53" name="Textfeld 52">
+            <a:extLst>
+              <a:ext uri="{FF2B5EF4-FFF2-40B4-BE49-F238E27FC236}">
+                <a16:creationId xmlns:a16="http://schemas.microsoft.com/office/drawing/2014/main" id="{C4C4BF19-CCE3-431B-A300-658CAF878A6B}"/>
+              </a:ext>
+            </a:extLst>
+          </p:cNvPr>
+          <p:cNvSpPr txBox="1"/>
+          <p:nvPr/>
+        </p:nvSpPr>
+        <p:spPr>
+          <a:xfrm>
+            <a:off x="1264080" y="616373"/>
+            <a:ext cx="1946283" cy="830997"/>
+          </a:xfrm>
+          <a:prstGeom prst="rect">
+            <a:avLst/>
+          </a:prstGeom>
+          <a:noFill/>
+        </p:spPr>
+        <p:txBody>
+          <a:bodyPr wrap="square" rtlCol="0">
+            <a:spAutoFit/>
+          </a:bodyPr>
+          <a:lstStyle/>
+          <a:p>
+            <a:r>
+              <a:rPr lang="de-DE" sz="2400" dirty="0" err="1">
+                <a:ln w="0"/>
+                <a:solidFill>
+                  <a:schemeClr val="tx2"/>
+                </a:solidFill>
+                <a:effectLst>
+                  <a:outerShdw blurRad="38100" dist="25400" dir="5400000" algn="ctr" rotWithShape="0">
+                    <a:srgbClr val="6E747A">
+                      <a:alpha val="43000"/>
+                    </a:srgbClr>
+                  </a:outerShdw>
+                </a:effectLst>
+              </a:rPr>
+              <a:t>Under</a:t>
+            </a:r>
+            <a:r>
+              <a:rPr lang="de-DE" sz="2400" dirty="0">
+                <a:ln w="0"/>
+                <a:solidFill>
+                  <a:schemeClr val="tx2"/>
+                </a:solidFill>
+                <a:effectLst>
+                  <a:outerShdw blurRad="38100" dist="25400" dir="5400000" algn="ctr" rotWithShape="0">
+                    <a:srgbClr val="6E747A">
+                      <a:alpha val="43000"/>
+                    </a:srgbClr>
+                  </a:outerShdw>
+                </a:effectLst>
+              </a:rPr>
+              <a:t>- </a:t>
+            </a:r>
+            <a:r>
+              <a:rPr lang="de-DE" sz="2400" dirty="0" err="1">
+                <a:ln w="0"/>
+                <a:solidFill>
+                  <a:schemeClr val="tx2"/>
+                </a:solidFill>
+                <a:effectLst>
+                  <a:outerShdw blurRad="38100" dist="25400" dir="5400000" algn="ctr" rotWithShape="0">
+                    <a:srgbClr val="6E747A">
+                      <a:alpha val="43000"/>
+                    </a:srgbClr>
+                  </a:outerShdw>
+                </a:effectLst>
+              </a:rPr>
+              <a:t>estimation</a:t>
+            </a:r>
+            <a:endParaRPr lang="de-DE" sz="2400" dirty="0">
+              <a:ln w="0"/>
+              <a:solidFill>
+                <a:schemeClr val="tx2"/>
+              </a:solidFill>
+              <a:effectLst>
+                <a:outerShdw blurRad="38100" dist="25400" dir="5400000" algn="ctr" rotWithShape="0">
+                  <a:srgbClr val="6E747A">
+                    <a:alpha val="43000"/>
+                  </a:srgbClr>
+                </a:outerShdw>
+              </a:effectLst>
+            </a:endParaRPr>
+          </a:p>
+        </p:txBody>
+      </p:sp>
     </p:spTree>
     <p:extLst>
       <p:ext uri="{BB962C8B-B14F-4D97-AF65-F5344CB8AC3E}">
